--- a/SOCCERMATCH.pptx
+++ b/SOCCERMATCH.pptx
@@ -10,7 +10,15 @@
     <p:sldId id="258" r:id="rId4"/>
     <p:sldId id="260" r:id="rId5"/>
     <p:sldId id="261" r:id="rId6"/>
-    <p:sldId id="262" r:id="rId7"/>
+    <p:sldId id="263" r:id="rId7"/>
+    <p:sldId id="264" r:id="rId8"/>
+    <p:sldId id="265" r:id="rId9"/>
+    <p:sldId id="268" r:id="rId10"/>
+    <p:sldId id="266" r:id="rId11"/>
+    <p:sldId id="267" r:id="rId12"/>
+    <p:sldId id="269" r:id="rId13"/>
+    <p:sldId id="270" r:id="rId14"/>
+    <p:sldId id="262" r:id="rId15"/>
   </p:sldIdLst>
   <p:sldSz cx="12192000" cy="6858000"/>
   <p:notesSz cx="6858000" cy="9144000"/>
@@ -109,6 +117,11 @@
       </a:defRPr>
     </a:lvl9pPr>
   </p:defaultTextStyle>
+  <p:extLst>
+    <p:ext uri="{EFAFB233-063F-42B5-8137-9DF3F51BA10A}">
+      <p15:sldGuideLst xmlns:p15="http://schemas.microsoft.com/office/powerpoint/2012/main"/>
+    </p:ext>
+  </p:extLst>
 </p:presentation>
 </file>
 
@@ -3882,6 +3895,520 @@
 </p:sld>
 </file>
 
+<file path=ppt/slides/slide10.xml><?xml version="1.0" encoding="utf-8"?>
+<p:sld xmlns:a="http://schemas.openxmlformats.org/drawingml/2006/main" xmlns:r="http://schemas.openxmlformats.org/officeDocument/2006/relationships" xmlns:p="http://schemas.openxmlformats.org/presentationml/2006/main">
+  <p:cSld>
+    <p:spTree>
+      <p:nvGrpSpPr>
+        <p:cNvPr id="1" name=""/>
+        <p:cNvGrpSpPr/>
+        <p:nvPr/>
+      </p:nvGrpSpPr>
+      <p:grpSpPr>
+        <a:xfrm>
+          <a:off x="0" y="0"/>
+          <a:ext cx="0" cy="0"/>
+          <a:chOff x="0" y="0"/>
+          <a:chExt cx="0" cy="0"/>
+        </a:xfrm>
+      </p:grpSpPr>
+      <p:sp>
+        <p:nvSpPr>
+          <p:cNvPr id="2" name="Título 1">
+            <a:extLst>
+              <a:ext uri="{FF2B5EF4-FFF2-40B4-BE49-F238E27FC236}">
+                <a16:creationId xmlns:a16="http://schemas.microsoft.com/office/drawing/2014/main" id="{BB689223-3A9B-448E-B469-CA05CFAFD110}"/>
+              </a:ext>
+            </a:extLst>
+          </p:cNvPr>
+          <p:cNvSpPr>
+            <a:spLocks noGrp="1"/>
+          </p:cNvSpPr>
+          <p:nvPr>
+            <p:ph type="title"/>
+          </p:nvPr>
+        </p:nvSpPr>
+        <p:spPr/>
+        <p:txBody>
+          <a:bodyPr/>
+          <a:lstStyle/>
+          <a:p>
+            <a:r>
+              <a:rPr lang="es-419" dirty="0"/>
+              <a:t>Historias de usuario</a:t>
+            </a:r>
+            <a:endParaRPr lang="es-PE" dirty="0"/>
+          </a:p>
+        </p:txBody>
+      </p:sp>
+      <p:pic>
+        <p:nvPicPr>
+          <p:cNvPr id="4" name="Marcador de contenido 3">
+            <a:extLst>
+              <a:ext uri="{FF2B5EF4-FFF2-40B4-BE49-F238E27FC236}">
+                <a16:creationId xmlns:a16="http://schemas.microsoft.com/office/drawing/2014/main" id="{97D16C5F-40DF-4378-AC5E-A0D4C96B6C2B}"/>
+              </a:ext>
+            </a:extLst>
+          </p:cNvPr>
+          <p:cNvPicPr>
+            <a:picLocks noGrp="1" noChangeAspect="1"/>
+          </p:cNvPicPr>
+          <p:nvPr>
+            <p:ph idx="1"/>
+          </p:nvPr>
+        </p:nvPicPr>
+        <p:blipFill rotWithShape="1">
+          <a:blip r:embed="rId2"/>
+          <a:srcRect l="35491" t="28864" r="33418" b="17707"/>
+          <a:stretch/>
+        </p:blipFill>
+        <p:spPr>
+          <a:xfrm>
+            <a:off x="3856312" y="2223140"/>
+            <a:ext cx="4479375" cy="4330060"/>
+          </a:xfrm>
+          <a:prstGeom prst="rect">
+            <a:avLst/>
+          </a:prstGeom>
+        </p:spPr>
+      </p:pic>
+    </p:spTree>
+    <p:extLst>
+      <p:ext uri="{BB962C8B-B14F-4D97-AF65-F5344CB8AC3E}">
+        <p14:creationId xmlns:p14="http://schemas.microsoft.com/office/powerpoint/2010/main" val="3250820337"/>
+      </p:ext>
+    </p:extLst>
+  </p:cSld>
+  <p:clrMapOvr>
+    <a:masterClrMapping/>
+  </p:clrMapOvr>
+</p:sld>
+</file>
+
+<file path=ppt/slides/slide11.xml><?xml version="1.0" encoding="utf-8"?>
+<p:sld xmlns:a="http://schemas.openxmlformats.org/drawingml/2006/main" xmlns:r="http://schemas.openxmlformats.org/officeDocument/2006/relationships" xmlns:p="http://schemas.openxmlformats.org/presentationml/2006/main">
+  <p:cSld>
+    <p:spTree>
+      <p:nvGrpSpPr>
+        <p:cNvPr id="1" name=""/>
+        <p:cNvGrpSpPr/>
+        <p:nvPr/>
+      </p:nvGrpSpPr>
+      <p:grpSpPr>
+        <a:xfrm>
+          <a:off x="0" y="0"/>
+          <a:ext cx="0" cy="0"/>
+          <a:chOff x="0" y="0"/>
+          <a:chExt cx="0" cy="0"/>
+        </a:xfrm>
+      </p:grpSpPr>
+      <p:sp>
+        <p:nvSpPr>
+          <p:cNvPr id="2" name="Título 1">
+            <a:extLst>
+              <a:ext uri="{FF2B5EF4-FFF2-40B4-BE49-F238E27FC236}">
+                <a16:creationId xmlns:a16="http://schemas.microsoft.com/office/drawing/2014/main" id="{BEAF63BC-200E-471B-9C44-2F487160986C}"/>
+              </a:ext>
+            </a:extLst>
+          </p:cNvPr>
+          <p:cNvSpPr>
+            <a:spLocks noGrp="1"/>
+          </p:cNvSpPr>
+          <p:nvPr>
+            <p:ph type="title"/>
+          </p:nvPr>
+        </p:nvSpPr>
+        <p:spPr/>
+        <p:txBody>
+          <a:bodyPr/>
+          <a:lstStyle/>
+          <a:p>
+            <a:r>
+              <a:rPr lang="es-419" dirty="0"/>
+              <a:t>Historias de usuario</a:t>
+            </a:r>
+            <a:endParaRPr lang="es-PE" dirty="0"/>
+          </a:p>
+        </p:txBody>
+      </p:sp>
+      <p:pic>
+        <p:nvPicPr>
+          <p:cNvPr id="4" name="Marcador de contenido 3">
+            <a:extLst>
+              <a:ext uri="{FF2B5EF4-FFF2-40B4-BE49-F238E27FC236}">
+                <a16:creationId xmlns:a16="http://schemas.microsoft.com/office/drawing/2014/main" id="{C35F6CCF-3A61-45C9-A075-4C390DCA3ED0}"/>
+              </a:ext>
+            </a:extLst>
+          </p:cNvPr>
+          <p:cNvPicPr>
+            <a:picLocks noGrp="1" noChangeAspect="1"/>
+          </p:cNvPicPr>
+          <p:nvPr>
+            <p:ph idx="1"/>
+          </p:nvPr>
+        </p:nvPicPr>
+        <p:blipFill rotWithShape="1">
+          <a:blip r:embed="rId2"/>
+          <a:srcRect l="35838" t="32549" r="33418" b="14022"/>
+          <a:stretch/>
+        </p:blipFill>
+        <p:spPr>
+          <a:xfrm>
+            <a:off x="4086225" y="2376330"/>
+            <a:ext cx="4019550" cy="3929221"/>
+          </a:xfrm>
+          <a:prstGeom prst="rect">
+            <a:avLst/>
+          </a:prstGeom>
+        </p:spPr>
+      </p:pic>
+    </p:spTree>
+    <p:extLst>
+      <p:ext uri="{BB962C8B-B14F-4D97-AF65-F5344CB8AC3E}">
+        <p14:creationId xmlns:p14="http://schemas.microsoft.com/office/powerpoint/2010/main" val="4277878992"/>
+      </p:ext>
+    </p:extLst>
+  </p:cSld>
+  <p:clrMapOvr>
+    <a:masterClrMapping/>
+  </p:clrMapOvr>
+</p:sld>
+</file>
+
+<file path=ppt/slides/slide12.xml><?xml version="1.0" encoding="utf-8"?>
+<p:sld xmlns:a="http://schemas.openxmlformats.org/drawingml/2006/main" xmlns:r="http://schemas.openxmlformats.org/officeDocument/2006/relationships" xmlns:p="http://schemas.openxmlformats.org/presentationml/2006/main">
+  <p:cSld>
+    <p:spTree>
+      <p:nvGrpSpPr>
+        <p:cNvPr id="1" name=""/>
+        <p:cNvGrpSpPr/>
+        <p:nvPr/>
+      </p:nvGrpSpPr>
+      <p:grpSpPr>
+        <a:xfrm>
+          <a:off x="0" y="0"/>
+          <a:ext cx="0" cy="0"/>
+          <a:chOff x="0" y="0"/>
+          <a:chExt cx="0" cy="0"/>
+        </a:xfrm>
+      </p:grpSpPr>
+      <p:sp>
+        <p:nvSpPr>
+          <p:cNvPr id="2" name="Título 1">
+            <a:extLst>
+              <a:ext uri="{FF2B5EF4-FFF2-40B4-BE49-F238E27FC236}">
+                <a16:creationId xmlns:a16="http://schemas.microsoft.com/office/drawing/2014/main" id="{BEAF63BC-200E-471B-9C44-2F487160986C}"/>
+              </a:ext>
+            </a:extLst>
+          </p:cNvPr>
+          <p:cNvSpPr>
+            <a:spLocks noGrp="1"/>
+          </p:cNvSpPr>
+          <p:nvPr>
+            <p:ph type="title"/>
+          </p:nvPr>
+        </p:nvSpPr>
+        <p:spPr/>
+        <p:txBody>
+          <a:bodyPr/>
+          <a:lstStyle/>
+          <a:p>
+            <a:r>
+              <a:rPr lang="es-419" dirty="0"/>
+              <a:t>Historias de usuario</a:t>
+            </a:r>
+            <a:endParaRPr lang="es-PE" dirty="0"/>
+          </a:p>
+        </p:txBody>
+      </p:sp>
+      <p:pic>
+        <p:nvPicPr>
+          <p:cNvPr id="5" name="Imagen 4">
+            <a:extLst>
+              <a:ext uri="{FF2B5EF4-FFF2-40B4-BE49-F238E27FC236}">
+                <a16:creationId xmlns:a16="http://schemas.microsoft.com/office/drawing/2014/main" id="{4859E150-EDA2-426C-9DCF-89C49B0C65FA}"/>
+              </a:ext>
+            </a:extLst>
+          </p:cNvPr>
+          <p:cNvPicPr>
+            <a:picLocks noChangeAspect="1"/>
+          </p:cNvPicPr>
+          <p:nvPr/>
+        </p:nvPicPr>
+        <p:blipFill rotWithShape="1">
+          <a:blip r:embed="rId2"/>
+          <a:srcRect l="36094" t="38889" r="33516" b="12222"/>
+          <a:stretch/>
+        </p:blipFill>
+        <p:spPr>
+          <a:xfrm>
+            <a:off x="3954065" y="2399650"/>
+            <a:ext cx="4283869" cy="3876406"/>
+          </a:xfrm>
+          <a:prstGeom prst="rect">
+            <a:avLst/>
+          </a:prstGeom>
+        </p:spPr>
+      </p:pic>
+    </p:spTree>
+    <p:extLst>
+      <p:ext uri="{BB962C8B-B14F-4D97-AF65-F5344CB8AC3E}">
+        <p14:creationId xmlns:p14="http://schemas.microsoft.com/office/powerpoint/2010/main" val="2309479899"/>
+      </p:ext>
+    </p:extLst>
+  </p:cSld>
+  <p:clrMapOvr>
+    <a:masterClrMapping/>
+  </p:clrMapOvr>
+</p:sld>
+</file>
+
+<file path=ppt/slides/slide13.xml><?xml version="1.0" encoding="utf-8"?>
+<p:sld xmlns:a="http://schemas.openxmlformats.org/drawingml/2006/main" xmlns:r="http://schemas.openxmlformats.org/officeDocument/2006/relationships" xmlns:p="http://schemas.openxmlformats.org/presentationml/2006/main">
+  <p:cSld>
+    <p:spTree>
+      <p:nvGrpSpPr>
+        <p:cNvPr id="1" name=""/>
+        <p:cNvGrpSpPr/>
+        <p:nvPr/>
+      </p:nvGrpSpPr>
+      <p:grpSpPr>
+        <a:xfrm>
+          <a:off x="0" y="0"/>
+          <a:ext cx="0" cy="0"/>
+          <a:chOff x="0" y="0"/>
+          <a:chExt cx="0" cy="0"/>
+        </a:xfrm>
+      </p:grpSpPr>
+      <p:sp>
+        <p:nvSpPr>
+          <p:cNvPr id="2" name="Título 1">
+            <a:extLst>
+              <a:ext uri="{FF2B5EF4-FFF2-40B4-BE49-F238E27FC236}">
+                <a16:creationId xmlns:a16="http://schemas.microsoft.com/office/drawing/2014/main" id="{BEAF63BC-200E-471B-9C44-2F487160986C}"/>
+              </a:ext>
+            </a:extLst>
+          </p:cNvPr>
+          <p:cNvSpPr>
+            <a:spLocks noGrp="1"/>
+          </p:cNvSpPr>
+          <p:nvPr>
+            <p:ph type="title"/>
+          </p:nvPr>
+        </p:nvSpPr>
+        <p:spPr/>
+        <p:txBody>
+          <a:bodyPr/>
+          <a:lstStyle/>
+          <a:p>
+            <a:r>
+              <a:rPr lang="es-419" dirty="0"/>
+              <a:t>Historias de usuario</a:t>
+            </a:r>
+            <a:endParaRPr lang="es-PE" dirty="0"/>
+          </a:p>
+        </p:txBody>
+      </p:sp>
+      <p:pic>
+        <p:nvPicPr>
+          <p:cNvPr id="3" name="Imagen 2">
+            <a:extLst>
+              <a:ext uri="{FF2B5EF4-FFF2-40B4-BE49-F238E27FC236}">
+                <a16:creationId xmlns:a16="http://schemas.microsoft.com/office/drawing/2014/main" id="{562DFCDF-D2C8-40AF-A3EF-6D14D3D44196}"/>
+              </a:ext>
+            </a:extLst>
+          </p:cNvPr>
+          <p:cNvPicPr>
+            <a:picLocks noChangeAspect="1"/>
+          </p:cNvPicPr>
+          <p:nvPr/>
+        </p:nvPicPr>
+        <p:blipFill rotWithShape="1">
+          <a:blip r:embed="rId2"/>
+          <a:srcRect l="35938" t="53194" r="33359" b="8333"/>
+          <a:stretch/>
+        </p:blipFill>
+        <p:spPr>
+          <a:xfrm>
+            <a:off x="3386137" y="2466489"/>
+            <a:ext cx="5419726" cy="3820012"/>
+          </a:xfrm>
+          <a:prstGeom prst="rect">
+            <a:avLst/>
+          </a:prstGeom>
+        </p:spPr>
+      </p:pic>
+    </p:spTree>
+    <p:extLst>
+      <p:ext uri="{BB962C8B-B14F-4D97-AF65-F5344CB8AC3E}">
+        <p14:creationId xmlns:p14="http://schemas.microsoft.com/office/powerpoint/2010/main" val="34850531"/>
+      </p:ext>
+    </p:extLst>
+  </p:cSld>
+  <p:clrMapOvr>
+    <a:masterClrMapping/>
+  </p:clrMapOvr>
+</p:sld>
+</file>
+
+<file path=ppt/slides/slide14.xml><?xml version="1.0" encoding="utf-8"?>
+<p:sld xmlns:a="http://schemas.openxmlformats.org/drawingml/2006/main" xmlns:r="http://schemas.openxmlformats.org/officeDocument/2006/relationships" xmlns:p="http://schemas.openxmlformats.org/presentationml/2006/main">
+  <p:cSld>
+    <p:spTree>
+      <p:nvGrpSpPr>
+        <p:cNvPr id="1" name=""/>
+        <p:cNvGrpSpPr/>
+        <p:nvPr/>
+      </p:nvGrpSpPr>
+      <p:grpSpPr>
+        <a:xfrm>
+          <a:off x="0" y="0"/>
+          <a:ext cx="0" cy="0"/>
+          <a:chOff x="0" y="0"/>
+          <a:chExt cx="0" cy="0"/>
+        </a:xfrm>
+      </p:grpSpPr>
+      <p:sp>
+        <p:nvSpPr>
+          <p:cNvPr id="2" name="Título 1">
+            <a:extLst>
+              <a:ext uri="{FF2B5EF4-FFF2-40B4-BE49-F238E27FC236}">
+                <a16:creationId xmlns:a16="http://schemas.microsoft.com/office/drawing/2014/main" id="{B545B688-0EAE-4AA1-8DE2-7AEDCBDA0D47}"/>
+              </a:ext>
+            </a:extLst>
+          </p:cNvPr>
+          <p:cNvSpPr>
+            <a:spLocks noGrp="1"/>
+          </p:cNvSpPr>
+          <p:nvPr>
+            <p:ph type="title"/>
+          </p:nvPr>
+        </p:nvSpPr>
+        <p:spPr/>
+        <p:txBody>
+          <a:bodyPr/>
+          <a:lstStyle/>
+          <a:p>
+            <a:r>
+              <a:rPr lang="es-419" dirty="0"/>
+              <a:t>Links</a:t>
+            </a:r>
+            <a:endParaRPr lang="es-PE" dirty="0"/>
+          </a:p>
+        </p:txBody>
+      </p:sp>
+      <p:sp>
+        <p:nvSpPr>
+          <p:cNvPr id="3" name="Marcador de contenido 2">
+            <a:extLst>
+              <a:ext uri="{FF2B5EF4-FFF2-40B4-BE49-F238E27FC236}">
+                <a16:creationId xmlns:a16="http://schemas.microsoft.com/office/drawing/2014/main" id="{13EB1A4D-D08F-4B98-B626-BEF8FE5FBEC4}"/>
+              </a:ext>
+            </a:extLst>
+          </p:cNvPr>
+          <p:cNvSpPr>
+            <a:spLocks noGrp="1"/>
+          </p:cNvSpPr>
+          <p:nvPr>
+            <p:ph idx="1"/>
+          </p:nvPr>
+        </p:nvSpPr>
+        <p:spPr/>
+        <p:txBody>
+          <a:bodyPr/>
+          <a:lstStyle/>
+          <a:p>
+            <a:pPr lvl="2"/>
+            <a:r>
+              <a:rPr lang="es-PE" b="1" dirty="0" err="1"/>
+              <a:t>Github</a:t>
+            </a:r>
+            <a:r>
+              <a:rPr lang="es-PE" b="1" dirty="0"/>
+              <a:t>:</a:t>
+            </a:r>
+            <a:endParaRPr lang="es-PE" sz="1400" dirty="0"/>
+          </a:p>
+          <a:p>
+            <a:r>
+              <a:rPr lang="es-PE" b="1" u="sng" dirty="0">
+                <a:hlinkClick r:id="rId2"/>
+              </a:rPr>
+              <a:t>https://github.com/AdrianCAmes/SoccerMatch</a:t>
+            </a:r>
+            <a:endParaRPr lang="es-PE" sz="1600" dirty="0"/>
+          </a:p>
+          <a:p>
+            <a:pPr lvl="2"/>
+            <a:r>
+              <a:rPr lang="es-PE" b="1" dirty="0" err="1"/>
+              <a:t>Vertabelo</a:t>
+            </a:r>
+            <a:r>
+              <a:rPr lang="es-PE" b="1" dirty="0"/>
+              <a:t>: </a:t>
+            </a:r>
+            <a:endParaRPr lang="es-PE" sz="1400" dirty="0"/>
+          </a:p>
+          <a:p>
+            <a:r>
+              <a:rPr lang="es-PE" b="1" u="sng" dirty="0">
+                <a:hlinkClick r:id="rId3"/>
+              </a:rPr>
+              <a:t>https://my.vertabelo.com/doc/L0vEFPptrVRMARhkdd9gMVBejUYVmg3i</a:t>
+            </a:r>
+            <a:r>
+              <a:rPr lang="es-PE" sz="1600" dirty="0"/>
+              <a:t> </a:t>
+            </a:r>
+            <a:r>
+              <a:rPr lang="es-PE" b="1" u="sng" dirty="0"/>
+              <a:t> </a:t>
+            </a:r>
+            <a:r>
+              <a:rPr lang="es-PE" b="1" dirty="0"/>
+              <a:t> </a:t>
+            </a:r>
+            <a:endParaRPr lang="es-PE" sz="1600" dirty="0"/>
+          </a:p>
+          <a:p>
+            <a:pPr lvl="2"/>
+            <a:r>
+              <a:rPr lang="es-PE" b="1" dirty="0"/>
+              <a:t>Bootstrap:</a:t>
+            </a:r>
+            <a:endParaRPr lang="es-PE" sz="1400" dirty="0"/>
+          </a:p>
+          <a:p>
+            <a:r>
+              <a:rPr lang="es-PE" b="1" u="sng" dirty="0">
+                <a:hlinkClick r:id="rId4"/>
+              </a:rPr>
+              <a:t>https://bootswatch.com/</a:t>
+            </a:r>
+            <a:r>
+              <a:rPr lang="es-PE" sz="1600" dirty="0"/>
+              <a:t> </a:t>
+            </a:r>
+          </a:p>
+          <a:p>
+            <a:endParaRPr lang="es-PE" dirty="0"/>
+          </a:p>
+        </p:txBody>
+      </p:sp>
+    </p:spTree>
+    <p:extLst>
+      <p:ext uri="{BB962C8B-B14F-4D97-AF65-F5344CB8AC3E}">
+        <p14:creationId xmlns:p14="http://schemas.microsoft.com/office/powerpoint/2010/main" val="4262442241"/>
+      </p:ext>
+    </p:extLst>
+  </p:cSld>
+  <p:clrMapOvr>
+    <a:masterClrMapping/>
+  </p:clrMapOvr>
+</p:sld>
+</file>
+
 <file path=ppt/slides/slide2.xml><?xml version="1.0" encoding="utf-8"?>
 <p:sld xmlns:a="http://schemas.openxmlformats.org/drawingml/2006/main" xmlns:r="http://schemas.openxmlformats.org/officeDocument/2006/relationships" xmlns:p="http://schemas.openxmlformats.org/presentationml/2006/main">
   <p:cSld>
@@ -4836,6 +5363,16 @@
 <file path=ppt/slides/slide6.xml><?xml version="1.0" encoding="utf-8"?>
 <p:sld xmlns:a="http://schemas.openxmlformats.org/drawingml/2006/main" xmlns:r="http://schemas.openxmlformats.org/officeDocument/2006/relationships" xmlns:p="http://schemas.openxmlformats.org/presentationml/2006/main">
   <p:cSld>
+    <p:bg>
+      <p:bgPr>
+        <a:solidFill>
+          <a:schemeClr val="bg1">
+            <a:lumMod val="95000"/>
+          </a:schemeClr>
+        </a:solidFill>
+        <a:effectLst/>
+      </p:bgPr>
+    </p:bg>
     <p:spTree>
       <p:nvGrpSpPr>
         <p:cNvPr id="1" name=""/>
@@ -4852,10 +5389,170 @@
       </p:grpSpPr>
       <p:sp>
         <p:nvSpPr>
+          <p:cNvPr id="10" name="Rectangle 9">
+            <a:extLst>
+              <a:ext uri="{FF2B5EF4-FFF2-40B4-BE49-F238E27FC236}">
+                <a16:creationId xmlns:a16="http://schemas.microsoft.com/office/drawing/2014/main" id="{5FA21C72-692C-49FD-9EB4-DDDDDEBD4BD6}"/>
+              </a:ext>
+              <a:ext uri="{C183D7F6-B498-43B3-948B-1728B52AA6E4}">
+                <adec:decorative xmlns:adec="http://schemas.microsoft.com/office/drawing/2017/decorative" val="1"/>
+              </a:ext>
+            </a:extLst>
+          </p:cNvPr>
+          <p:cNvSpPr>
+            <a:spLocks noGrp="1" noRot="1" noChangeAspect="1" noMove="1" noResize="1" noEditPoints="1" noAdjustHandles="1" noChangeArrowheads="1" noChangeShapeType="1" noTextEdit="1"/>
+          </p:cNvSpPr>
+          <p:nvPr>
+            <p:extLst>
+              <p:ext uri="{386F3935-93C4-4BCD-93E2-E3B085C9AB24}">
+                <p16:designElem xmlns:p16="http://schemas.microsoft.com/office/powerpoint/2015/main" val="1"/>
+              </p:ext>
+            </p:extLst>
+          </p:nvPr>
+        </p:nvSpPr>
+        <p:spPr>
+          <a:xfrm>
+            <a:off x="1575405" y="950977"/>
+            <a:ext cx="9041190" cy="4956047"/>
+          </a:xfrm>
+          <a:prstGeom prst="rect">
+            <a:avLst/>
+          </a:prstGeom>
+          <a:solidFill>
+            <a:srgbClr val="FFFFFF"/>
+          </a:solidFill>
+          <a:ln w="31750">
+            <a:solidFill>
+              <a:srgbClr val="404040"/>
+            </a:solidFill>
+          </a:ln>
+        </p:spPr>
+        <p:style>
+          <a:lnRef idx="2">
+            <a:schemeClr val="accent1">
+              <a:shade val="50000"/>
+            </a:schemeClr>
+          </a:lnRef>
+          <a:fillRef idx="1">
+            <a:schemeClr val="accent1"/>
+          </a:fillRef>
+          <a:effectRef idx="0">
+            <a:schemeClr val="accent1"/>
+          </a:effectRef>
+          <a:fontRef idx="minor">
+            <a:schemeClr val="lt1"/>
+          </a:fontRef>
+        </p:style>
+        <p:txBody>
+          <a:bodyPr rtlCol="0" anchor="ctr"/>
+          <a:lstStyle/>
+          <a:p>
+            <a:pPr algn="ctr"/>
+            <a:endParaRPr lang="en-US"/>
+          </a:p>
+        </p:txBody>
+      </p:sp>
+      <p:pic>
+        <p:nvPicPr>
+          <p:cNvPr id="5" name="image5.png">
+            <a:extLst>
+              <a:ext uri="{FF2B5EF4-FFF2-40B4-BE49-F238E27FC236}">
+                <a16:creationId xmlns:a16="http://schemas.microsoft.com/office/drawing/2014/main" id="{44BEB0A2-D421-4BAA-BED5-91E6E2DA2CE3}"/>
+              </a:ext>
+            </a:extLst>
+          </p:cNvPr>
+          <p:cNvPicPr>
+            <a:picLocks noGrp="1"/>
+          </p:cNvPicPr>
+          <p:nvPr>
+            <p:ph idx="1"/>
+          </p:nvPr>
+        </p:nvPicPr>
+        <p:blipFill>
+          <a:blip r:embed="rId2"/>
+          <a:stretch>
+            <a:fillRect/>
+          </a:stretch>
+        </p:blipFill>
+        <p:spPr>
+          <a:xfrm>
+            <a:off x="2790364" y="1271016"/>
+            <a:ext cx="7706186" cy="4539234"/>
+          </a:xfrm>
+          <a:prstGeom prst="rect">
+            <a:avLst/>
+          </a:prstGeom>
+        </p:spPr>
+      </p:pic>
+      <p:sp>
+        <p:nvSpPr>
+          <p:cNvPr id="12" name="Oval 11">
+            <a:extLst>
+              <a:ext uri="{FF2B5EF4-FFF2-40B4-BE49-F238E27FC236}">
+                <a16:creationId xmlns:a16="http://schemas.microsoft.com/office/drawing/2014/main" id="{FBAF941A-6830-47A3-B63C-7C7B66AEA73B}"/>
+              </a:ext>
+              <a:ext uri="{C183D7F6-B498-43B3-948B-1728B52AA6E4}">
+                <adec:decorative xmlns:adec="http://schemas.microsoft.com/office/drawing/2017/decorative" val="1"/>
+              </a:ext>
+            </a:extLst>
+          </p:cNvPr>
+          <p:cNvSpPr>
+            <a:spLocks noGrp="1" noRot="1" noChangeAspect="1" noMove="1" noResize="1" noEditPoints="1" noAdjustHandles="1" noChangeArrowheads="1" noChangeShapeType="1" noTextEdit="1"/>
+          </p:cNvSpPr>
+          <p:nvPr>
+            <p:extLst>
+              <p:ext uri="{386F3935-93C4-4BCD-93E2-E3B085C9AB24}">
+                <p16:designElem xmlns:p16="http://schemas.microsoft.com/office/powerpoint/2015/main" val="1"/>
+              </p:ext>
+            </p:extLst>
+          </p:nvPr>
+        </p:nvSpPr>
+        <p:spPr>
+          <a:xfrm>
+            <a:off x="632380" y="624518"/>
+            <a:ext cx="2157984" cy="2157984"/>
+          </a:xfrm>
+          <a:prstGeom prst="ellipse">
+            <a:avLst/>
+          </a:prstGeom>
+          <a:solidFill>
+            <a:srgbClr val="404040"/>
+          </a:solidFill>
+          <a:ln w="31750">
+            <a:noFill/>
+          </a:ln>
+        </p:spPr>
+        <p:style>
+          <a:lnRef idx="2">
+            <a:schemeClr val="accent1">
+              <a:shade val="50000"/>
+            </a:schemeClr>
+          </a:lnRef>
+          <a:fillRef idx="1">
+            <a:schemeClr val="accent1"/>
+          </a:fillRef>
+          <a:effectRef idx="0">
+            <a:schemeClr val="accent1"/>
+          </a:effectRef>
+          <a:fontRef idx="minor">
+            <a:schemeClr val="lt1"/>
+          </a:fontRef>
+        </p:style>
+        <p:txBody>
+          <a:bodyPr rtlCol="0" anchor="ctr"/>
+          <a:lstStyle/>
+          <a:p>
+            <a:pPr algn="ctr"/>
+            <a:endParaRPr lang="en-US"/>
+          </a:p>
+        </p:txBody>
+      </p:sp>
+      <p:sp>
+        <p:nvSpPr>
           <p:cNvPr id="2" name="Título 1">
             <a:extLst>
               <a:ext uri="{FF2B5EF4-FFF2-40B4-BE49-F238E27FC236}">
-                <a16:creationId xmlns:a16="http://schemas.microsoft.com/office/drawing/2014/main" id="{B545B688-0EAE-4AA1-8DE2-7AEDCBDA0D47}"/>
+                <a16:creationId xmlns:a16="http://schemas.microsoft.com/office/drawing/2014/main" id="{3CA3ADC7-D6D9-42C2-A7A7-061A7870AEF1}"/>
               </a:ext>
             </a:extLst>
           </p:cNvPr>
@@ -4866,25 +5563,74 @@
             <p:ph type="title"/>
           </p:nvPr>
         </p:nvSpPr>
-        <p:spPr/>
-        <p:txBody>
-          <a:bodyPr/>
-          <a:lstStyle/>
-          <a:p>
-            <a:r>
-              <a:rPr lang="es-419" dirty="0"/>
-              <a:t>Links</a:t>
-            </a:r>
-            <a:endParaRPr lang="es-PE" dirty="0"/>
-          </a:p>
-        </p:txBody>
-      </p:sp>
-      <p:sp>
-        <p:nvSpPr>
-          <p:cNvPr id="3" name="Marcador de contenido 2">
+        <p:spPr>
+          <a:xfrm>
+            <a:off x="796972" y="789110"/>
+            <a:ext cx="1828800" cy="1828800"/>
+          </a:xfrm>
+          <a:prstGeom prst="ellipse">
+            <a:avLst/>
+          </a:prstGeom>
+          <a:noFill/>
+          <a:ln>
+            <a:solidFill>
+              <a:srgbClr val="FFFFFF"/>
+            </a:solidFill>
+          </a:ln>
+        </p:spPr>
+        <p:txBody>
+          <a:bodyPr vert="horz" lIns="182880" tIns="182880" rIns="182880" bIns="182880" rtlCol="0" anchor="ctr">
+            <a:normAutofit/>
+          </a:bodyPr>
+          <a:lstStyle/>
+          <a:p>
+            <a:r>
+              <a:rPr lang="en-US" sz="1300">
+                <a:solidFill>
+                  <a:srgbClr val="FFFFFF"/>
+                </a:solidFill>
+              </a:rPr>
+              <a:t>Proceso de reserva de cancha</a:t>
+            </a:r>
+          </a:p>
+        </p:txBody>
+      </p:sp>
+    </p:spTree>
+    <p:extLst>
+      <p:ext uri="{BB962C8B-B14F-4D97-AF65-F5344CB8AC3E}">
+        <p14:creationId xmlns:p14="http://schemas.microsoft.com/office/powerpoint/2010/main" val="914813817"/>
+      </p:ext>
+    </p:extLst>
+  </p:cSld>
+  <p:clrMapOvr>
+    <a:masterClrMapping/>
+  </p:clrMapOvr>
+</p:sld>
+</file>
+
+<file path=ppt/slides/slide7.xml><?xml version="1.0" encoding="utf-8"?>
+<p:sld xmlns:a="http://schemas.openxmlformats.org/drawingml/2006/main" xmlns:r="http://schemas.openxmlformats.org/officeDocument/2006/relationships" xmlns:p="http://schemas.openxmlformats.org/presentationml/2006/main">
+  <p:cSld>
+    <p:spTree>
+      <p:nvGrpSpPr>
+        <p:cNvPr id="1" name=""/>
+        <p:cNvGrpSpPr/>
+        <p:nvPr/>
+      </p:nvGrpSpPr>
+      <p:grpSpPr>
+        <a:xfrm>
+          <a:off x="0" y="0"/>
+          <a:ext cx="0" cy="0"/>
+          <a:chOff x="0" y="0"/>
+          <a:chExt cx="0" cy="0"/>
+        </a:xfrm>
+      </p:grpSpPr>
+      <p:sp>
+        <p:nvSpPr>
+          <p:cNvPr id="2" name="Título 1">
             <a:extLst>
               <a:ext uri="{FF2B5EF4-FFF2-40B4-BE49-F238E27FC236}">
-                <a16:creationId xmlns:a16="http://schemas.microsoft.com/office/drawing/2014/main" id="{13EB1A4D-D08F-4B98-B626-BEF8FE5FBEC4}"/>
+                <a16:creationId xmlns:a16="http://schemas.microsoft.com/office/drawing/2014/main" id="{D5BAA230-14CD-443F-90AE-45C1C71B2715}"/>
               </a:ext>
             </a:extLst>
           </p:cNvPr>
@@ -4892,96 +5638,237 @@
             <a:spLocks noGrp="1"/>
           </p:cNvSpPr>
           <p:nvPr>
+            <p:ph type="title"/>
+          </p:nvPr>
+        </p:nvSpPr>
+        <p:spPr/>
+        <p:txBody>
+          <a:bodyPr/>
+          <a:lstStyle/>
+          <a:p>
+            <a:r>
+              <a:rPr lang="es-419" dirty="0"/>
+              <a:t>Reglas de negocio</a:t>
+            </a:r>
+            <a:endParaRPr lang="es-PE" dirty="0"/>
+          </a:p>
+        </p:txBody>
+      </p:sp>
+      <p:pic>
+        <p:nvPicPr>
+          <p:cNvPr id="4" name="Marcador de contenido 3">
+            <a:extLst>
+              <a:ext uri="{FF2B5EF4-FFF2-40B4-BE49-F238E27FC236}">
+                <a16:creationId xmlns:a16="http://schemas.microsoft.com/office/drawing/2014/main" id="{23E59FB5-1071-4948-A861-1E0563D9A84C}"/>
+              </a:ext>
+            </a:extLst>
+          </p:cNvPr>
+          <p:cNvPicPr>
+            <a:picLocks noGrp="1" noChangeAspect="1"/>
+          </p:cNvPicPr>
+          <p:nvPr>
             <p:ph idx="1"/>
           </p:nvPr>
-        </p:nvSpPr>
-        <p:spPr/>
-        <p:txBody>
-          <a:bodyPr/>
-          <a:lstStyle/>
-          <a:p>
-            <a:pPr lvl="2"/>
-            <a:r>
-              <a:rPr lang="es-PE" b="1" dirty="0" err="1"/>
-              <a:t>Github</a:t>
-            </a:r>
-            <a:r>
-              <a:rPr lang="es-PE" b="1" dirty="0"/>
-              <a:t>:</a:t>
-            </a:r>
-            <a:endParaRPr lang="es-PE" sz="1400" dirty="0"/>
-          </a:p>
-          <a:p>
-            <a:r>
-              <a:rPr lang="es-PE" b="1" u="sng" dirty="0">
-                <a:hlinkClick r:id="rId2"/>
-              </a:rPr>
-              <a:t>https://github.com/AdrianCAmes/SoccerMatch</a:t>
-            </a:r>
-            <a:endParaRPr lang="es-PE" sz="1600" dirty="0"/>
-          </a:p>
-          <a:p>
-            <a:pPr lvl="2"/>
-            <a:r>
-              <a:rPr lang="es-PE" b="1" dirty="0" err="1"/>
-              <a:t>Vertabelo</a:t>
-            </a:r>
-            <a:r>
-              <a:rPr lang="es-PE" b="1" dirty="0"/>
-              <a:t>: </a:t>
-            </a:r>
-            <a:endParaRPr lang="es-PE" sz="1400" dirty="0"/>
-          </a:p>
-          <a:p>
-            <a:r>
-              <a:rPr lang="es-PE" b="1" u="sng" dirty="0">
-                <a:hlinkClick r:id="rId3"/>
-              </a:rPr>
-              <a:t>https://my.vertabelo.com/doc/L0vEFPptrVRMARhkdd9gMVBejUYVmg3i</a:t>
-            </a:r>
-            <a:r>
-              <a:rPr lang="es-PE" sz="1600" dirty="0"/>
-              <a:t> </a:t>
-            </a:r>
-            <a:r>
-              <a:rPr lang="es-PE" b="1" u="sng" dirty="0"/>
-              <a:t> </a:t>
-            </a:r>
-            <a:r>
-              <a:rPr lang="es-PE" b="1" dirty="0"/>
-              <a:t> </a:t>
-            </a:r>
-            <a:endParaRPr lang="es-PE" sz="1600" dirty="0"/>
-          </a:p>
-          <a:p>
-            <a:pPr lvl="2"/>
-            <a:r>
-              <a:rPr lang="es-PE" b="1" dirty="0"/>
-              <a:t>Bootstrap:</a:t>
-            </a:r>
-            <a:endParaRPr lang="es-PE" sz="1400" dirty="0"/>
-          </a:p>
-          <a:p>
-            <a:r>
-              <a:rPr lang="es-PE" b="1" u="sng" dirty="0">
-                <a:hlinkClick r:id="rId4"/>
-              </a:rPr>
-              <a:t>https://bootswatch.com/</a:t>
-            </a:r>
-            <a:r>
-              <a:rPr lang="es-PE" sz="1600" dirty="0"/>
-              <a:t> </a:t>
-            </a:r>
-          </a:p>
-          <a:p>
-            <a:endParaRPr lang="es-PE" dirty="0"/>
-          </a:p>
-        </p:txBody>
-      </p:sp>
+        </p:nvPicPr>
+        <p:blipFill rotWithShape="1">
+          <a:blip r:embed="rId2"/>
+          <a:srcRect l="33419" t="39611" r="29618" b="28761"/>
+          <a:stretch/>
+        </p:blipFill>
+        <p:spPr>
+          <a:xfrm>
+            <a:off x="2231136" y="2447068"/>
+            <a:ext cx="7729727" cy="3720381"/>
+          </a:xfrm>
+          <a:prstGeom prst="rect">
+            <a:avLst/>
+          </a:prstGeom>
+        </p:spPr>
+      </p:pic>
     </p:spTree>
     <p:extLst>
       <p:ext uri="{BB962C8B-B14F-4D97-AF65-F5344CB8AC3E}">
-        <p14:creationId xmlns:p14="http://schemas.microsoft.com/office/powerpoint/2010/main" val="4262442241"/>
+        <p14:creationId xmlns:p14="http://schemas.microsoft.com/office/powerpoint/2010/main" val="3306961745"/>
+      </p:ext>
+    </p:extLst>
+  </p:cSld>
+  <p:clrMapOvr>
+    <a:masterClrMapping/>
+  </p:clrMapOvr>
+</p:sld>
+</file>
+
+<file path=ppt/slides/slide8.xml><?xml version="1.0" encoding="utf-8"?>
+<p:sld xmlns:a="http://schemas.openxmlformats.org/drawingml/2006/main" xmlns:r="http://schemas.openxmlformats.org/officeDocument/2006/relationships" xmlns:p="http://schemas.openxmlformats.org/presentationml/2006/main">
+  <p:cSld>
+    <p:spTree>
+      <p:nvGrpSpPr>
+        <p:cNvPr id="1" name=""/>
+        <p:cNvGrpSpPr/>
+        <p:nvPr/>
+      </p:nvGrpSpPr>
+      <p:grpSpPr>
+        <a:xfrm>
+          <a:off x="0" y="0"/>
+          <a:ext cx="0" cy="0"/>
+          <a:chOff x="0" y="0"/>
+          <a:chExt cx="0" cy="0"/>
+        </a:xfrm>
+      </p:grpSpPr>
+      <p:sp>
+        <p:nvSpPr>
+          <p:cNvPr id="2" name="Título 1">
+            <a:extLst>
+              <a:ext uri="{FF2B5EF4-FFF2-40B4-BE49-F238E27FC236}">
+                <a16:creationId xmlns:a16="http://schemas.microsoft.com/office/drawing/2014/main" id="{B62A488E-2F77-430E-99D0-A7B89649DC57}"/>
+              </a:ext>
+            </a:extLst>
+          </p:cNvPr>
+          <p:cNvSpPr>
+            <a:spLocks noGrp="1"/>
+          </p:cNvSpPr>
+          <p:nvPr>
+            <p:ph type="title"/>
+          </p:nvPr>
+        </p:nvSpPr>
+        <p:spPr/>
+        <p:txBody>
+          <a:bodyPr/>
+          <a:lstStyle/>
+          <a:p>
+            <a:r>
+              <a:rPr lang="es-419" dirty="0"/>
+              <a:t>Reglas de negocio</a:t>
+            </a:r>
+            <a:endParaRPr lang="es-PE" dirty="0"/>
+          </a:p>
+        </p:txBody>
+      </p:sp>
+      <p:pic>
+        <p:nvPicPr>
+          <p:cNvPr id="4" name="Marcador de contenido 3">
+            <a:extLst>
+              <a:ext uri="{FF2B5EF4-FFF2-40B4-BE49-F238E27FC236}">
+                <a16:creationId xmlns:a16="http://schemas.microsoft.com/office/drawing/2014/main" id="{BC058CF2-89A9-4D10-B1F2-803D0CC8EB21}"/>
+              </a:ext>
+            </a:extLst>
+          </p:cNvPr>
+          <p:cNvPicPr>
+            <a:picLocks noGrp="1" noChangeAspect="1"/>
+          </p:cNvPicPr>
+          <p:nvPr>
+            <p:ph idx="1"/>
+          </p:nvPr>
+        </p:nvPicPr>
+        <p:blipFill rotWithShape="1">
+          <a:blip r:embed="rId2"/>
+          <a:srcRect l="33246" t="45752" r="29964" b="18322"/>
+          <a:stretch/>
+        </p:blipFill>
+        <p:spPr>
+          <a:xfrm>
+            <a:off x="2231137" y="2308856"/>
+            <a:ext cx="7729727" cy="4245906"/>
+          </a:xfrm>
+          <a:prstGeom prst="rect">
+            <a:avLst/>
+          </a:prstGeom>
+        </p:spPr>
+      </p:pic>
+    </p:spTree>
+    <p:extLst>
+      <p:ext uri="{BB962C8B-B14F-4D97-AF65-F5344CB8AC3E}">
+        <p14:creationId xmlns:p14="http://schemas.microsoft.com/office/powerpoint/2010/main" val="3647357907"/>
+      </p:ext>
+    </p:extLst>
+  </p:cSld>
+  <p:clrMapOvr>
+    <a:masterClrMapping/>
+  </p:clrMapOvr>
+</p:sld>
+</file>
+
+<file path=ppt/slides/slide9.xml><?xml version="1.0" encoding="utf-8"?>
+<p:sld xmlns:a="http://schemas.openxmlformats.org/drawingml/2006/main" xmlns:r="http://schemas.openxmlformats.org/officeDocument/2006/relationships" xmlns:p="http://schemas.openxmlformats.org/presentationml/2006/main">
+  <p:cSld>
+    <p:spTree>
+      <p:nvGrpSpPr>
+        <p:cNvPr id="1" name=""/>
+        <p:cNvGrpSpPr/>
+        <p:nvPr/>
+      </p:nvGrpSpPr>
+      <p:grpSpPr>
+        <a:xfrm>
+          <a:off x="0" y="0"/>
+          <a:ext cx="0" cy="0"/>
+          <a:chOff x="0" y="0"/>
+          <a:chExt cx="0" cy="0"/>
+        </a:xfrm>
+      </p:grpSpPr>
+      <p:sp>
+        <p:nvSpPr>
+          <p:cNvPr id="2" name="Título 1">
+            <a:extLst>
+              <a:ext uri="{FF2B5EF4-FFF2-40B4-BE49-F238E27FC236}">
+                <a16:creationId xmlns:a16="http://schemas.microsoft.com/office/drawing/2014/main" id="{030BA505-BAA2-4BC3-8C72-B806BC2381EF}"/>
+              </a:ext>
+            </a:extLst>
+          </p:cNvPr>
+          <p:cNvSpPr>
+            <a:spLocks noGrp="1"/>
+          </p:cNvSpPr>
+          <p:nvPr>
+            <p:ph type="title"/>
+          </p:nvPr>
+        </p:nvSpPr>
+        <p:spPr/>
+        <p:txBody>
+          <a:bodyPr/>
+          <a:lstStyle/>
+          <a:p>
+            <a:r>
+              <a:rPr lang="es-419" dirty="0"/>
+              <a:t>Historias de usuario</a:t>
+            </a:r>
+            <a:endParaRPr lang="es-PE" dirty="0"/>
+          </a:p>
+        </p:txBody>
+      </p:sp>
+      <p:pic>
+        <p:nvPicPr>
+          <p:cNvPr id="4" name="Marcador de contenido 3">
+            <a:extLst>
+              <a:ext uri="{FF2B5EF4-FFF2-40B4-BE49-F238E27FC236}">
+                <a16:creationId xmlns:a16="http://schemas.microsoft.com/office/drawing/2014/main" id="{C1E04E9E-D45F-4CA8-9E83-0A438D509032}"/>
+              </a:ext>
+            </a:extLst>
+          </p:cNvPr>
+          <p:cNvPicPr>
+            <a:picLocks noGrp="1" noChangeAspect="1"/>
+          </p:cNvPicPr>
+          <p:nvPr>
+            <p:ph idx="1"/>
+          </p:nvPr>
+        </p:nvPicPr>
+        <p:blipFill rotWithShape="1">
+          <a:blip r:embed="rId2"/>
+          <a:srcRect l="36182" t="33777" r="33591" b="30297"/>
+          <a:stretch/>
+        </p:blipFill>
+        <p:spPr>
+          <a:xfrm>
+            <a:off x="3125343" y="2402266"/>
+            <a:ext cx="5941314" cy="3972190"/>
+          </a:xfrm>
+          <a:prstGeom prst="rect">
+            <a:avLst/>
+          </a:prstGeom>
+        </p:spPr>
+      </p:pic>
+    </p:spTree>
+    <p:extLst>
+      <p:ext uri="{BB962C8B-B14F-4D97-AF65-F5344CB8AC3E}">
+        <p14:creationId xmlns:p14="http://schemas.microsoft.com/office/powerpoint/2010/main" val="1041348359"/>
       </p:ext>
     </p:extLst>
   </p:cSld>

--- a/SOCCERMATCH.pptx
+++ b/SOCCERMATCH.pptx
@@ -4482,7 +4482,19 @@
               <a:rPr lang="es-ES" dirty="0">
                 <a:effectLst/>
               </a:rPr>
-              <a:t>El presente proyecto es un programa computacional enfocado a afianzar los conocimientos obtenidos a lo largo del curso de Aplicaciones Web. Como estudiantes de quinto ciclo de la Universidad Peruana de Ciencias Aplicadas, tomamos como prioridad el estudio y la investigación de nuevos modelos de desarrollo de software con el objetivo de desarrollar aplicaciones sólidas y escalables. Para el presente caso, la aplicación se desarrollará en el IDE de Visual Studio, haciendo uso del modelo de MVC en un proyecto de ADO.net y buscando dar solución a una problemática en específico.</a:t>
+              <a:t>El presente proyecto es un programa computacional enfocado a afianzar los conocimientos obtenidos a lo largo del curso de Aplicaciones Web. Como estudiantes de quinto ciclo de la Universidad Peruana de Ciencias Aplicadas, tomamos como prioridad el estudio y la investigación de nuevos modelos de desarrollo de software con el objetivo de desarrollar aplicaciones sólidas y escalables. Para el presente caso, la aplicación se desarrollará en el IDE de Visual Studio, haciendo uso del modelo de MVC en un proyecto </a:t>
+            </a:r>
+            <a:r>
+              <a:rPr lang="es-ES">
+                <a:effectLst/>
+              </a:rPr>
+              <a:t>de ASP.</a:t>
+            </a:r>
+            <a:r>
+              <a:rPr lang="es-ES" dirty="0">
+                <a:effectLst/>
+              </a:rPr>
+              <a:t>net y buscando dar solución a una problemática en específico.</a:t>
             </a:r>
             <a:endParaRPr lang="es-PE" dirty="0"/>
           </a:p>
@@ -5042,13 +5054,34 @@
           <a:lstStyle/>
           <a:p>
             <a:r>
-              <a:rPr lang="en-US">
+              <a:rPr lang="en-US" dirty="0" err="1">
                 <a:solidFill>
                   <a:schemeClr val="bg1"/>
                 </a:solidFill>
               </a:rPr>
-              <a:t>Sobre la aplicación</a:t>
-            </a:r>
+              <a:t>Sobre</a:t>
+            </a:r>
+            <a:r>
+              <a:rPr lang="en-US" dirty="0">
+                <a:solidFill>
+                  <a:schemeClr val="bg1"/>
+                </a:solidFill>
+              </a:rPr>
+              <a:t> la </a:t>
+            </a:r>
+            <a:r>
+              <a:rPr lang="en-US" dirty="0" err="1">
+                <a:solidFill>
+                  <a:schemeClr val="bg1"/>
+                </a:solidFill>
+              </a:rPr>
+              <a:t>aplicación</a:t>
+            </a:r>
+            <a:endParaRPr lang="en-US" dirty="0">
+              <a:solidFill>
+                <a:schemeClr val="bg1"/>
+              </a:solidFill>
+            </a:endParaRPr>
           </a:p>
         </p:txBody>
       </p:sp>

--- a/SOCCERMATCH.pptx
+++ b/SOCCERMATCH.pptx
@@ -291,7 +291,7 @@
           <a:p>
             <a:fld id="{48A87A34-81AB-432B-8DAE-1953F412C126}" type="datetimeFigureOut">
               <a:rPr lang="en-US" smtClean="0"/>
-              <a:t>7/7/2019</a:t>
+              <a:t>7/8/2019</a:t>
             </a:fld>
             <a:endParaRPr lang="en-US" dirty="0"/>
           </a:p>
@@ -461,7 +461,7 @@
           <a:p>
             <a:fld id="{48A87A34-81AB-432B-8DAE-1953F412C126}" type="datetimeFigureOut">
               <a:rPr lang="en-US" smtClean="0"/>
-              <a:t>7/7/2019</a:t>
+              <a:t>7/8/2019</a:t>
             </a:fld>
             <a:endParaRPr lang="en-US" dirty="0"/>
           </a:p>
@@ -641,7 +641,7 @@
           <a:p>
             <a:fld id="{48A87A34-81AB-432B-8DAE-1953F412C126}" type="datetimeFigureOut">
               <a:rPr lang="en-US" smtClean="0"/>
-              <a:t>7/7/2019</a:t>
+              <a:t>7/8/2019</a:t>
             </a:fld>
             <a:endParaRPr lang="en-US" dirty="0"/>
           </a:p>
@@ -1093,7 +1093,7 @@
             <a:fld id="{48A87A34-81AB-432B-8DAE-1953F412C126}" type="datetimeFigureOut">
               <a:rPr lang="en-US" smtClean="0"/>
               <a:pPr/>
-              <a:t>7/7/2019</a:t>
+              <a:t>7/8/2019</a:t>
             </a:fld>
             <a:endParaRPr lang="en-US" dirty="0"/>
           </a:p>
@@ -1264,7 +1264,7 @@
           <a:p>
             <a:fld id="{48A87A34-81AB-432B-8DAE-1953F412C126}" type="datetimeFigureOut">
               <a:rPr lang="en-US" smtClean="0"/>
-              <a:t>7/7/2019</a:t>
+              <a:t>7/8/2019</a:t>
             </a:fld>
             <a:endParaRPr lang="en-US" dirty="0"/>
           </a:p>
@@ -1532,7 +1532,7 @@
           <a:p>
             <a:fld id="{48A87A34-81AB-432B-8DAE-1953F412C126}" type="datetimeFigureOut">
               <a:rPr lang="en-US" smtClean="0"/>
-              <a:t>7/7/2019</a:t>
+              <a:t>7/8/2019</a:t>
             </a:fld>
             <a:endParaRPr lang="en-US" dirty="0"/>
           </a:p>
@@ -1764,7 +1764,7 @@
           <a:p>
             <a:fld id="{48A87A34-81AB-432B-8DAE-1953F412C126}" type="datetimeFigureOut">
               <a:rPr lang="en-US" smtClean="0"/>
-              <a:t>7/7/2019</a:t>
+              <a:t>7/8/2019</a:t>
             </a:fld>
             <a:endParaRPr lang="en-US" dirty="0"/>
           </a:p>
@@ -2124,7 +2124,7 @@
             <a:fld id="{48A87A34-81AB-432B-8DAE-1953F412C126}" type="datetimeFigureOut">
               <a:rPr lang="en-US" smtClean="0"/>
               <a:pPr/>
-              <a:t>7/7/2019</a:t>
+              <a:t>7/8/2019</a:t>
             </a:fld>
             <a:endParaRPr lang="en-US" dirty="0"/>
           </a:p>
@@ -2266,7 +2266,7 @@
           <a:p>
             <a:fld id="{48A87A34-81AB-432B-8DAE-1953F412C126}" type="datetimeFigureOut">
               <a:rPr lang="en-US" smtClean="0"/>
-              <a:t>7/7/2019</a:t>
+              <a:t>7/8/2019</a:t>
             </a:fld>
             <a:endParaRPr lang="en-US" dirty="0"/>
           </a:p>
@@ -2361,7 +2361,7 @@
           <a:p>
             <a:fld id="{48A87A34-81AB-432B-8DAE-1953F412C126}" type="datetimeFigureOut">
               <a:rPr lang="en-US" smtClean="0"/>
-              <a:t>7/7/2019</a:t>
+              <a:t>7/8/2019</a:t>
             </a:fld>
             <a:endParaRPr lang="en-US" dirty="0"/>
           </a:p>
@@ -2718,7 +2718,7 @@
           <a:p>
             <a:fld id="{48A87A34-81AB-432B-8DAE-1953F412C126}" type="datetimeFigureOut">
               <a:rPr lang="en-US" smtClean="0"/>
-              <a:t>7/7/2019</a:t>
+              <a:t>7/8/2019</a:t>
             </a:fld>
             <a:endParaRPr lang="en-US" dirty="0"/>
           </a:p>
@@ -3075,7 +3075,7 @@
           <a:p>
             <a:fld id="{48A87A34-81AB-432B-8DAE-1953F412C126}" type="datetimeFigureOut">
               <a:rPr lang="en-US" smtClean="0"/>
-              <a:t>7/7/2019</a:t>
+              <a:t>7/8/2019</a:t>
             </a:fld>
             <a:endParaRPr lang="en-US" dirty="0"/>
           </a:p>
@@ -3318,7 +3318,7 @@
             <a:fld id="{48A87A34-81AB-432B-8DAE-1953F412C126}" type="datetimeFigureOut">
               <a:rPr lang="en-US" smtClean="0"/>
               <a:pPr/>
-              <a:t>7/7/2019</a:t>
+              <a:t>7/8/2019</a:t>
             </a:fld>
             <a:endParaRPr lang="en-US" dirty="0"/>
           </a:p>
@@ -4157,10 +4157,10 @@
       </p:pic>
       <p:pic>
         <p:nvPicPr>
-          <p:cNvPr id="8" name="Imagen 7">
+          <p:cNvPr id="3" name="Imagen 2">
             <a:extLst>
               <a:ext uri="{FF2B5EF4-FFF2-40B4-BE49-F238E27FC236}">
-                <a16:creationId xmlns:a16="http://schemas.microsoft.com/office/drawing/2014/main" id="{2AC98B8B-A29C-42A8-A6FC-CDBF626273DC}"/>
+                <a16:creationId xmlns:a16="http://schemas.microsoft.com/office/drawing/2014/main" id="{1E24E18C-22B1-4A3F-A80B-D60518C72E08}"/>
               </a:ext>
             </a:extLst>
           </p:cNvPr>
@@ -4170,20 +4170,57 @@
           <p:nvPr/>
         </p:nvPicPr>
         <p:blipFill rotWithShape="1">
-          <a:blip r:embed="rId2"/>
-          <a:srcRect l="30078" t="70162" r="30625" b="16389"/>
+          <a:blip r:embed="rId3"/>
+          <a:srcRect l="30156" t="43611" r="30313" b="42500"/>
           <a:stretch/>
         </p:blipFill>
         <p:spPr>
           <a:xfrm>
-            <a:off x="2321588" y="4811697"/>
-            <a:ext cx="7448549" cy="1570054"/>
+            <a:off x="2336829" y="4811697"/>
+            <a:ext cx="7481782" cy="1478613"/>
           </a:xfrm>
           <a:prstGeom prst="rect">
             <a:avLst/>
           </a:prstGeom>
         </p:spPr>
       </p:pic>
+      <p:cxnSp>
+        <p:nvCxnSpPr>
+          <p:cNvPr id="5" name="Conector recto 4">
+            <a:extLst>
+              <a:ext uri="{FF2B5EF4-FFF2-40B4-BE49-F238E27FC236}">
+                <a16:creationId xmlns:a16="http://schemas.microsoft.com/office/drawing/2014/main" id="{7BAEAEAA-2BD1-4325-A8C9-DC353F551A5C}"/>
+              </a:ext>
+            </a:extLst>
+          </p:cNvPr>
+          <p:cNvCxnSpPr/>
+          <p:nvPr/>
+        </p:nvCxnSpPr>
+        <p:spPr>
+          <a:xfrm>
+            <a:off x="2414891" y="4858512"/>
+            <a:ext cx="7362218" cy="0"/>
+          </a:xfrm>
+          <a:prstGeom prst="line">
+            <a:avLst/>
+          </a:prstGeom>
+          <a:ln w="12700"/>
+        </p:spPr>
+        <p:style>
+          <a:lnRef idx="1">
+            <a:schemeClr val="dk1"/>
+          </a:lnRef>
+          <a:fillRef idx="0">
+            <a:schemeClr val="dk1"/>
+          </a:fillRef>
+          <a:effectRef idx="0">
+            <a:schemeClr val="dk1"/>
+          </a:effectRef>
+          <a:fontRef idx="minor">
+            <a:schemeClr val="tx1"/>
+          </a:fontRef>
+        </p:style>
+      </p:cxnSp>
     </p:spTree>
     <p:extLst>
       <p:ext uri="{BB962C8B-B14F-4D97-AF65-F5344CB8AC3E}">
